--- a/notes/notes.pptx
+++ b/notes/notes.pptx
@@ -19,6 +19,7 @@
     <p:sldId id="267" r:id="rId14"/>
     <p:sldId id="268" r:id="rId15"/>
     <p:sldId id="269" r:id="rId16"/>
+    <p:sldId id="270" r:id="rId17"/>
   </p:sldIdLst>
   <p:sldSz cx="12192000" cy="6858000"/>
   <p:notesSz cx="6858000" cy="9144000"/>
@@ -3803,6 +3804,98 @@
 </p:sld>
 </file>
 
+<file path=ppt/slides/slide15.xml><?xml version="1.0" encoding="utf-8"?>
+<p:sld xmlns:a="http://schemas.openxmlformats.org/drawingml/2006/main" xmlns:r="http://schemas.openxmlformats.org/officeDocument/2006/relationships" xmlns:p="http://schemas.openxmlformats.org/presentationml/2006/main">
+  <p:cSld>
+    <p:spTree>
+      <p:nvGrpSpPr>
+        <p:cNvPr id="1" name=""/>
+        <p:cNvGrpSpPr/>
+        <p:nvPr/>
+      </p:nvGrpSpPr>
+      <p:grpSpPr/>
+      <p:sp>
+        <p:nvSpPr>
+          <p:cNvPr id="2" name="Text Box 1"/>
+          <p:cNvSpPr txBox="1"/>
+          <p:nvPr/>
+        </p:nvSpPr>
+        <p:spPr>
+          <a:xfrm>
+            <a:off x="535940" y="729615"/>
+            <a:ext cx="10280650" cy="2306955"/>
+          </a:xfrm>
+          <a:prstGeom prst="rect">
+            <a:avLst/>
+          </a:prstGeom>
+          <a:noFill/>
+        </p:spPr>
+        <p:txBody>
+          <a:bodyPr wrap="square" rtlCol="0">
+            <a:spAutoFit/>
+          </a:bodyPr>
+          <a:p>
+            <a:r>
+              <a:rPr lang="en-US" altLang="en-GB"/>
+              <a:t>what are the django Channels</a:t>
+            </a:r>
+            <a:endParaRPr lang="en-US" altLang="en-GB"/>
+          </a:p>
+          <a:p>
+            <a:r>
+              <a:rPr lang="en-US" altLang="en-GB"/>
+              <a:t>usually django uses the http protocols for the communication btw client and serce</a:t>
+            </a:r>
+            <a:endParaRPr lang="en-US" altLang="en-GB"/>
+          </a:p>
+          <a:p>
+            <a:r>
+              <a:rPr lang="en-US" altLang="en-GB"/>
+              <a:t>channels do not use the http they use a protocol like websocket</a:t>
+            </a:r>
+            <a:endParaRPr lang="en-US" altLang="en-GB"/>
+          </a:p>
+          <a:p>
+            <a:r>
+              <a:rPr lang="en-US" altLang="en-GB"/>
+              <a:t>websokets allow bi directional communication server can push to client without waiting for client request</a:t>
+            </a:r>
+            <a:endParaRPr lang="en-US" altLang="en-GB"/>
+          </a:p>
+          <a:p>
+            <a:r>
+              <a:rPr lang="en-US" altLang="en-GB"/>
+              <a:t>with websocket a server could communicate with multiple clients at once</a:t>
+            </a:r>
+            <a:endParaRPr lang="en-US" altLang="en-GB"/>
+          </a:p>
+          <a:p>
+            <a:r>
+              <a:rPr lang="en-US" altLang="en-GB"/>
+              <a:t>channels use Django native async view support us to run HTTP &amp; websockets</a:t>
+            </a:r>
+            <a:endParaRPr lang="en-US" altLang="en-GB"/>
+          </a:p>
+          <a:p>
+            <a:r>
+              <a:rPr lang="en-US" altLang="en-GB"/>
+              <a:t>also provides integration with django authentication system</a:t>
+            </a:r>
+            <a:endParaRPr lang="en-US" altLang="en-GB"/>
+          </a:p>
+          <a:p>
+            <a:endParaRPr lang="en-US" altLang="en-GB"/>
+          </a:p>
+        </p:txBody>
+      </p:sp>
+    </p:spTree>
+  </p:cSld>
+  <p:clrMapOvr>
+    <a:masterClrMapping/>
+  </p:clrMapOvr>
+</p:sld>
+</file>
+
 <file path=ppt/slides/slide2.xml><?xml version="1.0" encoding="utf-8"?>
 <p:sld xmlns:a="http://schemas.openxmlformats.org/drawingml/2006/main" xmlns:r="http://schemas.openxmlformats.org/officeDocument/2006/relationships" xmlns:p="http://schemas.openxmlformats.org/presentationml/2006/main">
   <p:cSld>
